--- a/applications/plugins/org.csstudio.display.pace/docs/PACE_UML.pptx
+++ b/applications/plugins/org.csstudio.display.pace/docs/PACE_UML.pptx
@@ -3067,7 +3067,7 @@
         </p:nvSpPr>
         <p:spPr>
           <a:xfrm>
-            <a:off x="990600" y="1320184"/>
+            <a:off x="152400" y="281658"/>
             <a:ext cx="1233984" cy="1427216"/>
           </a:xfrm>
           <a:prstGeom prst="rect">
@@ -3110,13 +3110,8 @@
           <a:p>
             <a:r>
               <a:rPr lang="en-US" sz="1200" i="1" dirty="0" smtClean="0"/>
-              <a:t>Gets ‘</a:t>
-            </a:r>
-            <a:r>
-              <a:rPr lang="en-US" sz="1200" i="1" dirty="0" smtClean="0"/>
-              <a:t>input’ File from Workspace, interfaces with ‘Save’ support</a:t>
-            </a:r>
-            <a:endParaRPr lang="en-US" sz="1200" i="1" dirty="0" smtClean="0"/>
+              <a:t>Gets ‘input’ File from Workspace, interfaces with ‘Save’ support</a:t>
+            </a:r>
           </a:p>
         </p:txBody>
       </p:sp>
@@ -3128,7 +3123,7 @@
         </p:nvSpPr>
         <p:spPr>
           <a:xfrm>
-            <a:off x="7218214" y="5197279"/>
+            <a:off x="6822430" y="5730679"/>
             <a:ext cx="1219200" cy="441521"/>
           </a:xfrm>
           <a:prstGeom prst="rect">
@@ -3178,7 +3173,7 @@
         </p:nvSpPr>
         <p:spPr>
           <a:xfrm>
-            <a:off x="5361585" y="3051780"/>
+            <a:off x="4965801" y="3585180"/>
             <a:ext cx="1283393" cy="922239"/>
           </a:xfrm>
           <a:prstGeom prst="rect">
@@ -3239,7 +3234,6 @@
               <a:rPr lang="en-US" sz="1200" dirty="0" smtClean="0"/>
               <a:t>?</a:t>
             </a:r>
-            <a:endParaRPr lang="en-US" sz="1200" dirty="0" smtClean="0"/>
           </a:p>
         </p:txBody>
       </p:sp>
@@ -3254,7 +3248,7 @@
         </p:nvCxnSpPr>
         <p:spPr>
           <a:xfrm rot="5400000">
-            <a:off x="7689904" y="5058575"/>
+            <a:off x="7294120" y="5591975"/>
             <a:ext cx="276614" cy="794"/>
           </a:xfrm>
           <a:prstGeom prst="straightConnector1">
@@ -3293,7 +3287,7 @@
         </p:nvSpPr>
         <p:spPr>
           <a:xfrm>
-            <a:off x="3062784" y="3040072"/>
+            <a:off x="2667000" y="3573472"/>
             <a:ext cx="1648421" cy="1423393"/>
           </a:xfrm>
           <a:prstGeom prst="rect">
@@ -3343,7 +3337,6 @@
               <a:rPr lang="en-US" sz="1200" dirty="0" smtClean="0"/>
               <a:t>listeners</a:t>
             </a:r>
-            <a:endParaRPr lang="en-US" sz="1200" dirty="0" smtClean="0"/>
           </a:p>
           <a:p>
             <a:r>
@@ -3366,14 +3359,12 @@
               <a:rPr lang="en-US" sz="1200" dirty="0" smtClean="0"/>
               <a:t>?</a:t>
             </a:r>
-            <a:endParaRPr lang="en-US" sz="1200" dirty="0" smtClean="0"/>
           </a:p>
           <a:p>
             <a:r>
               <a:rPr lang="en-US" sz="1200" dirty="0" smtClean="0"/>
               <a:t>save()</a:t>
             </a:r>
-            <a:endParaRPr lang="en-US" sz="1200" dirty="0" smtClean="0"/>
           </a:p>
         </p:txBody>
       </p:sp>
@@ -3387,7 +3378,7 @@
         </p:nvCxnSpPr>
         <p:spPr>
           <a:xfrm>
-            <a:off x="4711205" y="3512900"/>
+            <a:off x="4315421" y="4046300"/>
             <a:ext cx="650380" cy="1588"/>
           </a:xfrm>
           <a:prstGeom prst="straightConnector1">
@@ -3426,7 +3417,7 @@
         </p:nvSpPr>
         <p:spPr>
           <a:xfrm>
-            <a:off x="4663778" y="3164047"/>
+            <a:off x="4267994" y="3697447"/>
             <a:ext cx="785716" cy="342503"/>
           </a:xfrm>
           <a:prstGeom prst="rect">
@@ -3463,7 +3454,6 @@
               <a:rPr lang="en-US" sz="1200" dirty="0" smtClean="0"/>
               <a:t>columns</a:t>
             </a:r>
-            <a:endParaRPr lang="en-US" sz="1200" dirty="0" smtClean="0"/>
           </a:p>
         </p:txBody>
       </p:sp>
@@ -3475,7 +3465,7 @@
         </p:nvSpPr>
         <p:spPr>
           <a:xfrm>
-            <a:off x="3062784" y="1735243"/>
+            <a:off x="2667000" y="698305"/>
             <a:ext cx="1648421" cy="593921"/>
           </a:xfrm>
           <a:prstGeom prst="rect">
@@ -3531,7 +3521,7 @@
         </p:nvSpPr>
         <p:spPr>
           <a:xfrm>
-            <a:off x="2376984" y="2033792"/>
+            <a:off x="1691184" y="1121768"/>
             <a:ext cx="685800" cy="342503"/>
           </a:xfrm>
           <a:prstGeom prst="rect">
@@ -3581,9 +3571,9 @@
           <p:nvPr/>
         </p:nvCxnSpPr>
         <p:spPr>
-          <a:xfrm flipV="1">
-            <a:off x="2224584" y="2032204"/>
-            <a:ext cx="838200" cy="1588"/>
+          <a:xfrm>
+            <a:off x="1386384" y="995266"/>
+            <a:ext cx="1280616" cy="1588"/>
           </a:xfrm>
           <a:prstGeom prst="straightConnector1">
             <a:avLst/>
@@ -3623,8 +3613,8 @@
         </p:nvCxnSpPr>
         <p:spPr>
           <a:xfrm>
-            <a:off x="2224584" y="2033792"/>
-            <a:ext cx="838200" cy="1006280"/>
+            <a:off x="1386384" y="995266"/>
+            <a:ext cx="1280616" cy="2578206"/>
           </a:xfrm>
           <a:prstGeom prst="straightConnector1">
             <a:avLst/>
@@ -3662,7 +3652,7 @@
         </p:nvSpPr>
         <p:spPr>
           <a:xfrm>
-            <a:off x="5361585" y="4094173"/>
+            <a:off x="4965801" y="4627573"/>
             <a:ext cx="1283393" cy="710207"/>
           </a:xfrm>
           <a:prstGeom prst="rect">
@@ -3726,7 +3716,7 @@
         </p:nvCxnSpPr>
         <p:spPr>
           <a:xfrm>
-            <a:off x="6644978" y="4449277"/>
+            <a:off x="6249194" y="4982677"/>
             <a:ext cx="609600" cy="14188"/>
           </a:xfrm>
           <a:prstGeom prst="straightConnector1">
@@ -3765,7 +3755,7 @@
         </p:nvSpPr>
         <p:spPr>
           <a:xfrm>
-            <a:off x="6721178" y="4164916"/>
+            <a:off x="6325394" y="4698316"/>
             <a:ext cx="609600" cy="342503"/>
           </a:xfrm>
           <a:prstGeom prst="rect">
@@ -3802,7 +3792,6 @@
               <a:rPr lang="en-US" sz="1200" dirty="0" smtClean="0"/>
               <a:t>cells</a:t>
             </a:r>
-            <a:endParaRPr lang="en-US" sz="1200" dirty="0" smtClean="0"/>
           </a:p>
         </p:txBody>
       </p:sp>
@@ -3814,7 +3803,7 @@
         </p:nvCxnSpPr>
         <p:spPr>
           <a:xfrm>
-            <a:off x="4711205" y="4391134"/>
+            <a:off x="4315421" y="4924534"/>
             <a:ext cx="650380" cy="1588"/>
           </a:xfrm>
           <a:prstGeom prst="straightConnector1">
@@ -3853,7 +3842,7 @@
         </p:nvSpPr>
         <p:spPr>
           <a:xfrm>
-            <a:off x="4663778" y="4050219"/>
+            <a:off x="4267994" y="4583619"/>
             <a:ext cx="785716" cy="340915"/>
           </a:xfrm>
           <a:prstGeom prst="rect">
@@ -3890,7 +3879,6 @@
               <a:rPr lang="en-US" sz="1200" dirty="0" smtClean="0"/>
               <a:t>instances</a:t>
             </a:r>
-            <a:endParaRPr lang="en-US" sz="1200" dirty="0" smtClean="0"/>
           </a:p>
         </p:txBody>
       </p:sp>
@@ -3902,7 +3890,7 @@
         </p:nvSpPr>
         <p:spPr>
           <a:xfrm>
-            <a:off x="7254578" y="4006265"/>
+            <a:off x="6858794" y="4539665"/>
             <a:ext cx="1148059" cy="914400"/>
           </a:xfrm>
           <a:prstGeom prst="rect">
@@ -3940,7 +3928,6 @@
               <a:rPr lang="en-US" sz="1200" u="sng" dirty="0" smtClean="0"/>
               <a:t>Cell</a:t>
             </a:r>
-            <a:endParaRPr lang="en-US" sz="1200" u="sng" dirty="0" smtClean="0"/>
           </a:p>
           <a:p>
             <a:r>
@@ -3976,8 +3963,8 @@
         </p:nvCxnSpPr>
         <p:spPr>
           <a:xfrm>
-            <a:off x="4711205" y="2032204"/>
-            <a:ext cx="975816" cy="1588"/>
+            <a:off x="4315421" y="995266"/>
+            <a:ext cx="1134073" cy="1588"/>
           </a:xfrm>
           <a:prstGeom prst="straightConnector1">
             <a:avLst/>
@@ -4015,7 +4002,7 @@
         </p:nvSpPr>
         <p:spPr>
           <a:xfrm>
-            <a:off x="4711205" y="1659043"/>
+            <a:off x="4321278" y="600243"/>
             <a:ext cx="1128216" cy="342503"/>
           </a:xfrm>
           <a:prstGeom prst="rect">
@@ -4064,8 +4051,8 @@
         </p:nvSpPr>
         <p:spPr>
           <a:xfrm>
-            <a:off x="5687021" y="1584663"/>
-            <a:ext cx="1752600" cy="895081"/>
+            <a:off x="5449494" y="771495"/>
+            <a:ext cx="1418627" cy="447541"/>
           </a:xfrm>
           <a:prstGeom prst="rect">
             <a:avLst/>
@@ -4112,24 +4099,6 @@
             </a:r>
             <a:endParaRPr lang="en-US" sz="1200" u="sng" dirty="0" smtClean="0"/>
           </a:p>
-          <a:p>
-            <a:r>
-              <a:rPr lang="en-US" sz="1200" i="1" dirty="0" smtClean="0"/>
-              <a:t>Shows ‘Instance’ in rows</a:t>
-            </a:r>
-          </a:p>
-          <a:p>
-            <a:r>
-              <a:rPr lang="en-US" sz="1200" i="1" dirty="0" smtClean="0"/>
-              <a:t>of SWT Table,</a:t>
-            </a:r>
-          </a:p>
-          <a:p>
-            <a:r>
-              <a:rPr lang="en-US" sz="1200" i="1" dirty="0" smtClean="0"/>
-              <a:t>tracks selected Instances</a:t>
-            </a:r>
-          </a:p>
         </p:txBody>
       </p:sp>
       <p:cxnSp>
@@ -4143,8 +4112,8 @@
         </p:nvCxnSpPr>
         <p:spPr>
           <a:xfrm rot="5400000">
-            <a:off x="3531541" y="2684618"/>
-            <a:ext cx="710908" cy="1588"/>
+            <a:off x="2350588" y="2432849"/>
+            <a:ext cx="2281246" cy="1588"/>
           </a:xfrm>
           <a:prstGeom prst="straightConnector1">
             <a:avLst/>
@@ -4219,10 +4188,469 @@
               <a:rPr lang="en-US" sz="1200" dirty="0" smtClean="0"/>
               <a:t>model</a:t>
             </a:r>
-            <a:endParaRPr lang="en-US" sz="1200" dirty="0" smtClean="0"/>
-          </a:p>
-        </p:txBody>
-      </p:sp>
+          </a:p>
+        </p:txBody>
+      </p:sp>
+      <p:sp>
+        <p:nvSpPr>
+          <p:cNvPr id="25" name="Rectangle 24"/>
+          <p:cNvSpPr/>
+          <p:nvPr/>
+        </p:nvSpPr>
+        <p:spPr>
+          <a:xfrm>
+            <a:off x="6081140" y="1292226"/>
+            <a:ext cx="2379115" cy="565058"/>
+          </a:xfrm>
+          <a:prstGeom prst="rect">
+            <a:avLst/>
+          </a:prstGeom>
+          <a:ln w="3175" cap="flat" cmpd="sng" algn="ctr">
+            <a:solidFill>
+              <a:schemeClr val="accent1"/>
+            </a:solidFill>
+            <a:prstDash val="solid"/>
+            <a:round/>
+            <a:headEnd type="none" w="med" len="med"/>
+            <a:tailEnd type="none" w="med" len="med"/>
+          </a:ln>
+        </p:spPr>
+        <p:style>
+          <a:lnRef idx="2">
+            <a:schemeClr val="accent1"/>
+          </a:lnRef>
+          <a:fillRef idx="1">
+            <a:schemeClr val="lt1"/>
+          </a:fillRef>
+          <a:effectRef idx="0">
+            <a:schemeClr val="accent1"/>
+          </a:effectRef>
+          <a:fontRef idx="minor">
+            <a:schemeClr val="dk1"/>
+          </a:fontRef>
+        </p:style>
+        <p:txBody>
+          <a:bodyPr rtlCol="0" anchor="t"/>
+          <a:lstStyle/>
+          <a:p>
+            <a:r>
+              <a:rPr lang="en-US" sz="1200" u="sng" dirty="0" err="1" smtClean="0"/>
+              <a:t>ModelInstanceProvider</a:t>
+            </a:r>
+            <a:endParaRPr lang="en-US" sz="1200" u="sng" dirty="0" smtClean="0"/>
+          </a:p>
+          <a:p>
+            <a:r>
+              <a:rPr lang="en-US" sz="1200" i="1" dirty="0" smtClean="0"/>
+              <a:t>Provides </a:t>
+            </a:r>
+            <a:r>
+              <a:rPr lang="en-US" sz="1200" i="1" dirty="0" smtClean="0"/>
+              <a:t>‘Instance’ for </a:t>
+            </a:r>
+            <a:r>
+              <a:rPr lang="en-US" sz="1200" i="1" dirty="0" smtClean="0"/>
+              <a:t>Table row</a:t>
+            </a:r>
+          </a:p>
+        </p:txBody>
+      </p:sp>
+      <p:sp>
+        <p:nvSpPr>
+          <p:cNvPr id="26" name="Rectangle 25"/>
+          <p:cNvSpPr/>
+          <p:nvPr/>
+        </p:nvSpPr>
+        <p:spPr>
+          <a:xfrm>
+            <a:off x="6075214" y="1944291"/>
+            <a:ext cx="2763986" cy="494109"/>
+          </a:xfrm>
+          <a:prstGeom prst="rect">
+            <a:avLst/>
+          </a:prstGeom>
+          <a:ln w="3175" cap="flat" cmpd="sng" algn="ctr">
+            <a:solidFill>
+              <a:schemeClr val="accent1"/>
+            </a:solidFill>
+            <a:prstDash val="solid"/>
+            <a:round/>
+            <a:headEnd type="none" w="med" len="med"/>
+            <a:tailEnd type="none" w="med" len="med"/>
+          </a:ln>
+        </p:spPr>
+        <p:style>
+          <a:lnRef idx="2">
+            <a:schemeClr val="accent1"/>
+          </a:lnRef>
+          <a:fillRef idx="1">
+            <a:schemeClr val="lt1"/>
+          </a:fillRef>
+          <a:effectRef idx="0">
+            <a:schemeClr val="accent1"/>
+          </a:effectRef>
+          <a:fontRef idx="minor">
+            <a:schemeClr val="dk1"/>
+          </a:fontRef>
+        </p:style>
+        <p:txBody>
+          <a:bodyPr rtlCol="0" anchor="t"/>
+          <a:lstStyle/>
+          <a:p>
+            <a:r>
+              <a:rPr lang="en-US" sz="1200" u="sng" dirty="0" err="1" smtClean="0"/>
+              <a:t>InstanceLabelProvider</a:t>
+            </a:r>
+            <a:endParaRPr lang="en-US" sz="1200" u="sng" dirty="0" smtClean="0"/>
+          </a:p>
+          <a:p>
+            <a:r>
+              <a:rPr lang="en-US" sz="1200" i="1" dirty="0" smtClean="0"/>
+              <a:t>Sets Table Cell from Model Instance/Cell</a:t>
+            </a:r>
+          </a:p>
+        </p:txBody>
+      </p:sp>
+      <p:sp>
+        <p:nvSpPr>
+          <p:cNvPr id="32" name="Rectangle 31"/>
+          <p:cNvSpPr/>
+          <p:nvPr/>
+        </p:nvSpPr>
+        <p:spPr>
+          <a:xfrm>
+            <a:off x="6075214" y="2516097"/>
+            <a:ext cx="1600200" cy="531903"/>
+          </a:xfrm>
+          <a:prstGeom prst="rect">
+            <a:avLst/>
+          </a:prstGeom>
+          <a:ln w="3175" cap="flat" cmpd="sng" algn="ctr">
+            <a:solidFill>
+              <a:schemeClr val="accent1"/>
+            </a:solidFill>
+            <a:prstDash val="solid"/>
+            <a:round/>
+            <a:headEnd type="none" w="med" len="med"/>
+            <a:tailEnd type="none" w="med" len="med"/>
+          </a:ln>
+        </p:spPr>
+        <p:style>
+          <a:lnRef idx="2">
+            <a:schemeClr val="accent1"/>
+          </a:lnRef>
+          <a:fillRef idx="1">
+            <a:schemeClr val="lt1"/>
+          </a:fillRef>
+          <a:effectRef idx="0">
+            <a:schemeClr val="accent1"/>
+          </a:effectRef>
+          <a:fontRef idx="minor">
+            <a:schemeClr val="dk1"/>
+          </a:fontRef>
+        </p:style>
+        <p:txBody>
+          <a:bodyPr rtlCol="0" anchor="t"/>
+          <a:lstStyle/>
+          <a:p>
+            <a:r>
+              <a:rPr lang="en-US" sz="1200" u="sng" dirty="0" err="1" smtClean="0"/>
+              <a:t>ModelCellEditor</a:t>
+            </a:r>
+            <a:endParaRPr lang="en-US" sz="1200" u="sng" dirty="0" smtClean="0"/>
+          </a:p>
+          <a:p>
+            <a:r>
+              <a:rPr lang="en-US" sz="1200" i="1" dirty="0" smtClean="0"/>
+              <a:t>Edit Model Cell as Text</a:t>
+            </a:r>
+          </a:p>
+        </p:txBody>
+      </p:sp>
+      <p:cxnSp>
+        <p:nvCxnSpPr>
+          <p:cNvPr id="44" name="Straight Arrow Connector 43"/>
+          <p:cNvCxnSpPr>
+            <a:endCxn id="32" idx="1"/>
+          </p:cNvCxnSpPr>
+          <p:nvPr/>
+        </p:nvCxnSpPr>
+        <p:spPr>
+          <a:xfrm rot="16200000" flipH="1">
+            <a:off x="5057047" y="1763882"/>
+            <a:ext cx="1562220" cy="474113"/>
+          </a:xfrm>
+          <a:prstGeom prst="bentConnector2">
+            <a:avLst/>
+          </a:prstGeom>
+          <a:ln w="3175" cap="flat" cmpd="sng" algn="ctr">
+            <a:solidFill>
+              <a:schemeClr val="accent1"/>
+            </a:solidFill>
+            <a:prstDash val="solid"/>
+            <a:round/>
+            <a:headEnd type="diamond" w="med" len="med"/>
+            <a:tailEnd type="arrow" w="med" len="med"/>
+          </a:ln>
+        </p:spPr>
+        <p:style>
+          <a:lnRef idx="2">
+            <a:schemeClr val="accent1"/>
+          </a:lnRef>
+          <a:fillRef idx="0">
+            <a:schemeClr val="accent1"/>
+          </a:fillRef>
+          <a:effectRef idx="1">
+            <a:schemeClr val="accent1"/>
+          </a:effectRef>
+          <a:fontRef idx="minor">
+            <a:schemeClr val="tx1"/>
+          </a:fontRef>
+        </p:style>
+      </p:cxnSp>
+      <p:cxnSp>
+        <p:nvCxnSpPr>
+          <p:cNvPr id="47" name="Straight Arrow Connector 43"/>
+          <p:cNvCxnSpPr/>
+          <p:nvPr/>
+        </p:nvCxnSpPr>
+        <p:spPr>
+          <a:xfrm>
+            <a:off x="5601100" y="1600202"/>
+            <a:ext cx="474116" cy="1588"/>
+          </a:xfrm>
+          <a:prstGeom prst="straightConnector1">
+            <a:avLst/>
+          </a:prstGeom>
+          <a:ln w="3175" cap="flat" cmpd="sng" algn="ctr">
+            <a:solidFill>
+              <a:schemeClr val="accent1"/>
+            </a:solidFill>
+            <a:prstDash val="solid"/>
+            <a:round/>
+            <a:headEnd type="none" w="med" len="med"/>
+            <a:tailEnd type="arrow" w="med" len="med"/>
+          </a:ln>
+        </p:spPr>
+        <p:style>
+          <a:lnRef idx="2">
+            <a:schemeClr val="accent1"/>
+          </a:lnRef>
+          <a:fillRef idx="0">
+            <a:schemeClr val="accent1"/>
+          </a:fillRef>
+          <a:effectRef idx="1">
+            <a:schemeClr val="accent1"/>
+          </a:effectRef>
+          <a:fontRef idx="minor">
+            <a:schemeClr val="tx1"/>
+          </a:fontRef>
+        </p:style>
+      </p:cxnSp>
+      <p:cxnSp>
+        <p:nvCxnSpPr>
+          <p:cNvPr id="51" name="Straight Arrow Connector 43"/>
+          <p:cNvCxnSpPr/>
+          <p:nvPr/>
+        </p:nvCxnSpPr>
+        <p:spPr>
+          <a:xfrm>
+            <a:off x="5607024" y="2209800"/>
+            <a:ext cx="474116" cy="1588"/>
+          </a:xfrm>
+          <a:prstGeom prst="straightConnector1">
+            <a:avLst/>
+          </a:prstGeom>
+          <a:ln w="3175" cap="flat" cmpd="sng" algn="ctr">
+            <a:solidFill>
+              <a:schemeClr val="accent1"/>
+            </a:solidFill>
+            <a:prstDash val="solid"/>
+            <a:round/>
+            <a:headEnd type="none" w="med" len="med"/>
+            <a:tailEnd type="arrow" w="med" len="med"/>
+          </a:ln>
+        </p:spPr>
+        <p:style>
+          <a:lnRef idx="2">
+            <a:schemeClr val="accent1"/>
+          </a:lnRef>
+          <a:fillRef idx="0">
+            <a:schemeClr val="accent1"/>
+          </a:fillRef>
+          <a:effectRef idx="1">
+            <a:schemeClr val="accent1"/>
+          </a:effectRef>
+          <a:fontRef idx="minor">
+            <a:schemeClr val="tx1"/>
+          </a:fontRef>
+        </p:style>
+      </p:cxnSp>
+      <p:sp>
+        <p:nvSpPr>
+          <p:cNvPr id="54" name="Rectangle 53"/>
+          <p:cNvSpPr/>
+          <p:nvPr/>
+        </p:nvSpPr>
+        <p:spPr>
+          <a:xfrm>
+            <a:off x="4648200" y="1410097"/>
+            <a:ext cx="685800" cy="342503"/>
+          </a:xfrm>
+          <a:prstGeom prst="rect">
+            <a:avLst/>
+          </a:prstGeom>
+          <a:noFill/>
+          <a:ln w="3175" cap="flat" cmpd="sng" algn="ctr">
+            <a:noFill/>
+            <a:prstDash val="solid"/>
+            <a:round/>
+            <a:headEnd type="none" w="med" len="med"/>
+            <a:tailEnd type="none" w="med" len="med"/>
+          </a:ln>
+        </p:spPr>
+        <p:style>
+          <a:lnRef idx="2">
+            <a:schemeClr val="accent1"/>
+          </a:lnRef>
+          <a:fillRef idx="1">
+            <a:schemeClr val="lt1"/>
+          </a:fillRef>
+          <a:effectRef idx="0">
+            <a:schemeClr val="accent1"/>
+          </a:effectRef>
+          <a:fontRef idx="minor">
+            <a:schemeClr val="dk1"/>
+          </a:fontRef>
+        </p:style>
+        <p:txBody>
+          <a:bodyPr rtlCol="0" anchor="t"/>
+          <a:lstStyle/>
+          <a:p>
+            <a:r>
+              <a:rPr lang="en-US" sz="1200" dirty="0" smtClean="0"/>
+              <a:t>creates</a:t>
+            </a:r>
+          </a:p>
+        </p:txBody>
+      </p:sp>
+      <p:cxnSp>
+        <p:nvCxnSpPr>
+          <p:cNvPr id="55" name="Straight Arrow Connector 54"/>
+          <p:cNvCxnSpPr/>
+          <p:nvPr/>
+        </p:nvCxnSpPr>
+        <p:spPr>
+          <a:xfrm>
+            <a:off x="4315421" y="1292226"/>
+            <a:ext cx="1285679" cy="309564"/>
+          </a:xfrm>
+          <a:prstGeom prst="straightConnector1">
+            <a:avLst/>
+          </a:prstGeom>
+          <a:ln w="3175" cap="flat" cmpd="sng" algn="ctr">
+            <a:solidFill>
+              <a:schemeClr val="accent1"/>
+            </a:solidFill>
+            <a:prstDash val="dash"/>
+            <a:round/>
+            <a:headEnd type="diamond" w="med" len="med"/>
+            <a:tailEnd type="arrow" w="med" len="med"/>
+          </a:ln>
+        </p:spPr>
+        <p:style>
+          <a:lnRef idx="2">
+            <a:schemeClr val="accent1"/>
+          </a:lnRef>
+          <a:fillRef idx="0">
+            <a:schemeClr val="accent1"/>
+          </a:fillRef>
+          <a:effectRef idx="1">
+            <a:schemeClr val="accent1"/>
+          </a:effectRef>
+          <a:fontRef idx="minor">
+            <a:schemeClr val="tx1"/>
+          </a:fontRef>
+        </p:style>
+      </p:cxnSp>
+      <p:cxnSp>
+        <p:nvCxnSpPr>
+          <p:cNvPr id="59" name="Straight Arrow Connector 58"/>
+          <p:cNvCxnSpPr/>
+          <p:nvPr/>
+        </p:nvCxnSpPr>
+        <p:spPr>
+          <a:xfrm rot="16200000" flipH="1">
+            <a:off x="4213746" y="1394695"/>
+            <a:ext cx="1489029" cy="1285678"/>
+          </a:xfrm>
+          <a:prstGeom prst="straightConnector1">
+            <a:avLst/>
+          </a:prstGeom>
+          <a:ln w="3175" cap="flat" cmpd="sng" algn="ctr">
+            <a:solidFill>
+              <a:schemeClr val="accent1"/>
+            </a:solidFill>
+            <a:prstDash val="dash"/>
+            <a:round/>
+            <a:headEnd type="diamond" w="med" len="med"/>
+            <a:tailEnd type="arrow" w="med" len="med"/>
+          </a:ln>
+        </p:spPr>
+        <p:style>
+          <a:lnRef idx="2">
+            <a:schemeClr val="accent1"/>
+          </a:lnRef>
+          <a:fillRef idx="0">
+            <a:schemeClr val="accent1"/>
+          </a:fillRef>
+          <a:effectRef idx="1">
+            <a:schemeClr val="accent1"/>
+          </a:effectRef>
+          <a:fontRef idx="minor">
+            <a:schemeClr val="tx1"/>
+          </a:fontRef>
+        </p:style>
+      </p:cxnSp>
+      <p:cxnSp>
+        <p:nvCxnSpPr>
+          <p:cNvPr id="62" name="Straight Arrow Connector 61"/>
+          <p:cNvCxnSpPr/>
+          <p:nvPr/>
+        </p:nvCxnSpPr>
+        <p:spPr>
+          <a:xfrm>
+            <a:off x="4315421" y="1293020"/>
+            <a:ext cx="1285678" cy="918368"/>
+          </a:xfrm>
+          <a:prstGeom prst="straightConnector1">
+            <a:avLst/>
+          </a:prstGeom>
+          <a:ln w="3175" cap="flat" cmpd="sng" algn="ctr">
+            <a:solidFill>
+              <a:schemeClr val="accent1"/>
+            </a:solidFill>
+            <a:prstDash val="dash"/>
+            <a:round/>
+            <a:headEnd type="diamond" w="med" len="med"/>
+            <a:tailEnd type="arrow" w="med" len="med"/>
+          </a:ln>
+        </p:spPr>
+        <p:style>
+          <a:lnRef idx="2">
+            <a:schemeClr val="accent1"/>
+          </a:lnRef>
+          <a:fillRef idx="0">
+            <a:schemeClr val="accent1"/>
+          </a:fillRef>
+          <a:effectRef idx="1">
+            <a:schemeClr val="accent1"/>
+          </a:effectRef>
+          <a:fontRef idx="minor">
+            <a:schemeClr val="tx1"/>
+          </a:fontRef>
+        </p:style>
+      </p:cxnSp>
     </p:spTree>
   </p:cSld>
   <p:clrMapOvr>
